--- a/Intro to Python Slides.pptx
+++ b/Intro to Python Slides.pptx
@@ -402,7 +402,7 @@
           <a:p>
             <a:fld id="{88EB714B-C3CC-4216-88C1-02913905B1CF}" type="datetimeFigureOut">
               <a:rPr lang="en-GB" smtClean="0"/>
-              <a:t>16/03/2020</a:t>
+              <a:t>27/05/2020</a:t>
             </a:fld>
             <a:endParaRPr lang="en-GB"/>
           </a:p>
@@ -1951,7 +1951,7 @@
           <a:p>
             <a:fld id="{EB0080F8-EA1C-491D-963C-2C881B2F918F}" type="datetimeFigureOut">
               <a:rPr lang="en-GB" smtClean="0"/>
-              <a:t>16/03/2020</a:t>
+              <a:t>27/05/2020</a:t>
             </a:fld>
             <a:endParaRPr lang="en-GB"/>
           </a:p>
@@ -2101,7 +2101,7 @@
           <a:p>
             <a:fld id="{EB0080F8-EA1C-491D-963C-2C881B2F918F}" type="datetimeFigureOut">
               <a:rPr lang="en-GB" smtClean="0"/>
-              <a:t>16/03/2020</a:t>
+              <a:t>27/05/2020</a:t>
             </a:fld>
             <a:endParaRPr lang="en-GB"/>
           </a:p>
@@ -3634,7 +3634,7 @@
           <a:p>
             <a:fld id="{EB0080F8-EA1C-491D-963C-2C881B2F918F}" type="datetimeFigureOut">
               <a:rPr lang="en-GB" smtClean="0"/>
-              <a:t>16/03/2020</a:t>
+              <a:t>27/05/2020</a:t>
             </a:fld>
             <a:endParaRPr lang="en-GB"/>
           </a:p>
@@ -4404,7 +4404,7 @@
               <a:rPr lang="en-GB" sz="3200" dirty="0">
                 <a:hlinkClick r:id="rId5"/>
               </a:rPr>
-              <a:t>http://bit.ly/cmc_using_jupyter</a:t>
+              <a:t>https://bit.ly/cmc_jupyter_notebooks</a:t>
             </a:r>
             <a:endParaRPr lang="en-GB" sz="3200" dirty="0"/>
           </a:p>
@@ -4903,7 +4903,13 @@
       </p:sp>
       <p:sp>
         <p:nvSpPr>
-          <p:cNvPr id="3" name="Subtitle 2"/>
+          <p:cNvPr id="6" name="Subtitle 2">
+            <a:extLst>
+              <a:ext uri="{FF2B5EF4-FFF2-40B4-BE49-F238E27FC236}">
+                <a16:creationId xmlns:a16="http://schemas.microsoft.com/office/drawing/2014/main" id="{D3A61467-C455-4F23-A3AF-9D5011815E06}"/>
+              </a:ext>
+            </a:extLst>
+          </p:cNvPr>
           <p:cNvSpPr>
             <a:spLocks noGrp="1"/>
           </p:cNvSpPr>
@@ -4913,8 +4919,8 @@
         </p:nvSpPr>
         <p:spPr>
           <a:xfrm>
-            <a:off x="401319" y="3153410"/>
-            <a:ext cx="7773689" cy="1752600"/>
+            <a:off x="401319" y="3194756"/>
+            <a:ext cx="8341362" cy="383822"/>
           </a:xfrm>
         </p:spPr>
         <p:txBody>
@@ -4922,14 +4928,45 @@
           <a:lstStyle/>
           <a:p>
             <a:r>
-              <a:rPr lang="en-GB" dirty="0"/>
-              <a:t>Chris Cooling</a:t>
-            </a:r>
+              <a:rPr lang="en-GB" sz="1400" dirty="0"/>
+              <a:t>Distributed under </a:t>
+            </a:r>
+            <a:r>
+              <a:rPr lang="en-GB" sz="1400" dirty="0">
+                <a:hlinkClick r:id="rId3"/>
+              </a:rPr>
+              <a:t>Creative Commons Attribution-</a:t>
+            </a:r>
+            <a:r>
+              <a:rPr lang="en-GB" sz="1400" dirty="0" err="1">
+                <a:hlinkClick r:id="rId3"/>
+              </a:rPr>
+              <a:t>NonCommercial</a:t>
+            </a:r>
+            <a:r>
+              <a:rPr lang="en-GB" sz="1400" dirty="0">
+                <a:hlinkClick r:id="rId3"/>
+              </a:rPr>
+              <a:t>-</a:t>
+            </a:r>
+            <a:r>
+              <a:rPr lang="en-GB" sz="1400" dirty="0" err="1">
+                <a:hlinkClick r:id="rId3"/>
+              </a:rPr>
+              <a:t>ShareAlike</a:t>
+            </a:r>
+            <a:r>
+              <a:rPr lang="en-GB" sz="1400" dirty="0">
+                <a:hlinkClick r:id="rId3"/>
+              </a:rPr>
+              <a:t> 4.0 International</a:t>
+            </a:r>
+            <a:endParaRPr lang="en-GB" sz="1400" dirty="0"/>
           </a:p>
           <a:p>
             <a:r>
               <a:rPr lang="en-GB" sz="2400" dirty="0"/>
-              <a:t>Graduate School Teaching Fellow</a:t>
+              <a:t> </a:t>
             </a:r>
           </a:p>
         </p:txBody>

--- a/Intro to Python Slides.pptx
+++ b/Intro to Python Slides.pptx
@@ -5,19 +5,18 @@
     <p:sldMasterId id="2147483648" r:id="rId1"/>
   </p:sldMasterIdLst>
   <p:notesMasterIdLst>
-    <p:notesMasterId r:id="rId9"/>
+    <p:notesMasterId r:id="rId8"/>
   </p:notesMasterIdLst>
   <p:handoutMasterIdLst>
-    <p:handoutMasterId r:id="rId10"/>
+    <p:handoutMasterId r:id="rId9"/>
   </p:handoutMasterIdLst>
   <p:sldIdLst>
     <p:sldId id="264" r:id="rId2"/>
     <p:sldId id="267" r:id="rId3"/>
     <p:sldId id="281" r:id="rId4"/>
-    <p:sldId id="282" r:id="rId5"/>
-    <p:sldId id="283" r:id="rId6"/>
-    <p:sldId id="329" r:id="rId7"/>
-    <p:sldId id="280" r:id="rId8"/>
+    <p:sldId id="283" r:id="rId5"/>
+    <p:sldId id="329" r:id="rId6"/>
+    <p:sldId id="280" r:id="rId7"/>
   </p:sldIdLst>
   <p:sldSz cx="9144000" cy="6858000" type="screen4x3"/>
   <p:notesSz cx="7099300" cy="10234613"/>
@@ -124,7 +123,6 @@
             <p14:sldId id="264"/>
             <p14:sldId id="267"/>
             <p14:sldId id="281"/>
-            <p14:sldId id="282"/>
             <p14:sldId id="283"/>
             <p14:sldId id="329"/>
             <p14:sldId id="280"/>
@@ -402,7 +400,7 @@
           <a:p>
             <a:fld id="{88EB714B-C3CC-4216-88C1-02913905B1CF}" type="datetimeFigureOut">
               <a:rPr lang="en-GB" smtClean="0"/>
-              <a:t>27/05/2020</a:t>
+              <a:t>01/06/2020</a:t>
             </a:fld>
             <a:endParaRPr lang="en-GB"/>
           </a:p>
@@ -1163,7 +1161,7 @@
     </p:spTree>
     <p:extLst>
       <p:ext uri="{BB962C8B-B14F-4D97-AF65-F5344CB8AC3E}">
-        <p14:creationId xmlns:p14="http://schemas.microsoft.com/office/powerpoint/2010/main" val="109722691"/>
+        <p14:creationId xmlns:p14="http://schemas.microsoft.com/office/powerpoint/2010/main" val="4217260499"/>
       </p:ext>
     </p:extLst>
   </p:cSld>
@@ -1247,7 +1245,7 @@
     </p:spTree>
     <p:extLst>
       <p:ext uri="{BB962C8B-B14F-4D97-AF65-F5344CB8AC3E}">
-        <p14:creationId xmlns:p14="http://schemas.microsoft.com/office/powerpoint/2010/main" val="4217260499"/>
+        <p14:creationId xmlns:p14="http://schemas.microsoft.com/office/powerpoint/2010/main" val="1492413823"/>
       </p:ext>
     </p:extLst>
   </p:cSld>
@@ -1276,90 +1274,6 @@
       </p:grpSpPr>
       <p:sp>
         <p:nvSpPr>
-          <p:cNvPr id="2" name="Slide Image Placeholder 1"/>
-          <p:cNvSpPr>
-            <a:spLocks noGrp="1" noRot="1" noChangeAspect="1"/>
-          </p:cNvSpPr>
-          <p:nvPr>
-            <p:ph type="sldImg"/>
-          </p:nvPr>
-        </p:nvSpPr>
-        <p:spPr/>
-      </p:sp>
-      <p:sp>
-        <p:nvSpPr>
-          <p:cNvPr id="3" name="Notes Placeholder 2"/>
-          <p:cNvSpPr>
-            <a:spLocks noGrp="1"/>
-          </p:cNvSpPr>
-          <p:nvPr>
-            <p:ph type="body" idx="1"/>
-          </p:nvPr>
-        </p:nvSpPr>
-        <p:spPr/>
-        <p:txBody>
-          <a:bodyPr/>
-          <a:lstStyle/>
-          <a:p>
-            <a:endParaRPr lang="en-GB" dirty="0"/>
-          </a:p>
-        </p:txBody>
-      </p:sp>
-      <p:sp>
-        <p:nvSpPr>
-          <p:cNvPr id="4" name="Slide Number Placeholder 3"/>
-          <p:cNvSpPr>
-            <a:spLocks noGrp="1"/>
-          </p:cNvSpPr>
-          <p:nvPr>
-            <p:ph type="sldNum" sz="quarter" idx="10"/>
-          </p:nvPr>
-        </p:nvSpPr>
-        <p:spPr/>
-        <p:txBody>
-          <a:bodyPr/>
-          <a:lstStyle/>
-          <a:p>
-            <a:fld id="{6A641EC8-C9F8-4A58-A1A7-F7D817526EEC}" type="slidenum">
-              <a:rPr lang="en-GB" smtClean="0"/>
-              <a:t>6</a:t>
-            </a:fld>
-            <a:endParaRPr lang="en-GB"/>
-          </a:p>
-        </p:txBody>
-      </p:sp>
-    </p:spTree>
-    <p:extLst>
-      <p:ext uri="{BB962C8B-B14F-4D97-AF65-F5344CB8AC3E}">
-        <p14:creationId xmlns:p14="http://schemas.microsoft.com/office/powerpoint/2010/main" val="1492413823"/>
-      </p:ext>
-    </p:extLst>
-  </p:cSld>
-  <p:clrMapOvr>
-    <a:masterClrMapping/>
-  </p:clrMapOvr>
-</p:notes>
-</file>
-
-<file path=ppt/notesSlides/notesSlide7.xml><?xml version="1.0" encoding="utf-8"?>
-<p:notes xmlns:a="http://schemas.openxmlformats.org/drawingml/2006/main" xmlns:r="http://schemas.openxmlformats.org/officeDocument/2006/relationships" xmlns:p="http://schemas.openxmlformats.org/presentationml/2006/main">
-  <p:cSld>
-    <p:spTree>
-      <p:nvGrpSpPr>
-        <p:cNvPr id="1" name=""/>
-        <p:cNvGrpSpPr/>
-        <p:nvPr/>
-      </p:nvGrpSpPr>
-      <p:grpSpPr>
-        <a:xfrm>
-          <a:off x="0" y="0"/>
-          <a:ext cx="0" cy="0"/>
-          <a:chOff x="0" y="0"/>
-          <a:chExt cx="0" cy="0"/>
-        </a:xfrm>
-      </p:grpSpPr>
-      <p:sp>
-        <p:nvSpPr>
           <p:cNvPr id="108546" name="Rectangle 7"/>
           <p:cNvSpPr>
             <a:spLocks noGrp="1" noChangeArrowheads="1"/>
@@ -1518,7 +1432,7 @@
                   <a:spcPct val="0"/>
                 </a:spcBef>
               </a:pPr>
-              <a:t>7</a:t>
+              <a:t>6</a:t>
             </a:fld>
             <a:endParaRPr lang="en-US" altLang="en-US"/>
           </a:p>
@@ -1951,7 +1865,7 @@
           <a:p>
             <a:fld id="{EB0080F8-EA1C-491D-963C-2C881B2F918F}" type="datetimeFigureOut">
               <a:rPr lang="en-GB" smtClean="0"/>
-              <a:t>27/05/2020</a:t>
+              <a:t>01/06/2020</a:t>
             </a:fld>
             <a:endParaRPr lang="en-GB"/>
           </a:p>
@@ -2101,7 +2015,7 @@
           <a:p>
             <a:fld id="{EB0080F8-EA1C-491D-963C-2C881B2F918F}" type="datetimeFigureOut">
               <a:rPr lang="en-GB" smtClean="0"/>
-              <a:t>27/05/2020</a:t>
+              <a:t>01/06/2020</a:t>
             </a:fld>
             <a:endParaRPr lang="en-GB"/>
           </a:p>
@@ -3634,7 +3548,7 @@
           <a:p>
             <a:fld id="{EB0080F8-EA1C-491D-963C-2C881B2F918F}" type="datetimeFigureOut">
               <a:rPr lang="en-GB" smtClean="0"/>
-              <a:t>27/05/2020</a:t>
+              <a:t>01/06/2020</a:t>
             </a:fld>
             <a:endParaRPr lang="en-GB"/>
           </a:p>
@@ -4354,75 +4268,78 @@
           <a:lstStyle/>
           <a:p>
             <a:r>
-              <a:rPr lang="en-GB" dirty="0"/>
-              <a:t>What is Coding?</a:t>
-            </a:r>
-          </a:p>
-          <a:p>
-            <a:pPr lvl="1"/>
-            <a:r>
-              <a:rPr lang="en-GB" sz="3200" dirty="0">
+              <a:rPr lang="en-GB" sz="3600" dirty="0">
                 <a:hlinkClick r:id="rId3"/>
               </a:rPr>
-              <a:t>http://bit.ly/cmc_what_is_coding</a:t>
-            </a:r>
-            <a:endParaRPr lang="en-GB" sz="3200" dirty="0"/>
-          </a:p>
-          <a:p>
-            <a:r>
-              <a:rPr lang="en-GB" dirty="0"/>
-              <a:t>What is Python</a:t>
-            </a:r>
-          </a:p>
-          <a:p>
-            <a:pPr lvl="1"/>
-            <a:r>
-              <a:rPr lang="en-GB" sz="3200" dirty="0">
+              <a:t>What is Coding?</a:t>
+            </a:r>
+            <a:endParaRPr lang="en-GB" sz="3600" dirty="0"/>
+          </a:p>
+          <a:p>
+            <a:r>
+              <a:rPr lang="en-GB" sz="3600" dirty="0">
                 <a:hlinkClick r:id="rId4"/>
               </a:rPr>
-              <a:t>http://bit.ly/cmc_what_is_python</a:t>
-            </a:r>
-            <a:endParaRPr lang="en-GB" sz="3200" dirty="0"/>
-          </a:p>
-          <a:p>
-            <a:r>
-              <a:rPr lang="en-GB" dirty="0"/>
-              <a:t>Using </a:t>
-            </a:r>
-            <a:r>
-              <a:rPr lang="en-GB" dirty="0" err="1"/>
-              <a:t>Jupyter</a:t>
-            </a:r>
-            <a:r>
-              <a:rPr lang="en-GB" dirty="0"/>
-              <a:t> Notebooks</a:t>
-            </a:r>
-          </a:p>
-          <a:p>
-            <a:pPr lvl="1"/>
-            <a:r>
-              <a:rPr lang="en-GB" sz="3200" dirty="0">
+              <a:t>What is Python</a:t>
+            </a:r>
+            <a:endParaRPr lang="en-GB" sz="3600" dirty="0"/>
+          </a:p>
+          <a:p>
+            <a:r>
+              <a:rPr lang="en-GB" sz="3600" dirty="0">
                 <a:hlinkClick r:id="rId5"/>
               </a:rPr>
-              <a:t>https://bit.ly/cmc_jupyter_notebooks</a:t>
-            </a:r>
-            <a:endParaRPr lang="en-GB" sz="3200" dirty="0"/>
-          </a:p>
-          <a:p>
-            <a:r>
-              <a:rPr lang="en-GB" dirty="0"/>
-              <a:t>My First Program</a:t>
-            </a:r>
-          </a:p>
-          <a:p>
-            <a:pPr lvl="1"/>
-            <a:r>
-              <a:rPr lang="en-GB" sz="3200" dirty="0">
+              <a:t>Using </a:t>
+            </a:r>
+            <a:r>
+              <a:rPr lang="en-GB" sz="3600" dirty="0" err="1">
+                <a:hlinkClick r:id="rId5"/>
+              </a:rPr>
+              <a:t>Jupyter</a:t>
+            </a:r>
+            <a:r>
+              <a:rPr lang="en-GB" sz="3600" dirty="0">
+                <a:hlinkClick r:id="rId5"/>
+              </a:rPr>
+              <a:t> Notebooks</a:t>
+            </a:r>
+            <a:endParaRPr lang="en-GB" sz="3600" dirty="0"/>
+          </a:p>
+          <a:p>
+            <a:r>
+              <a:rPr lang="en-GB" sz="3600" dirty="0">
                 <a:hlinkClick r:id="rId6"/>
               </a:rPr>
-              <a:t>http://bit.ly/cmc_my_first_program</a:t>
-            </a:r>
-            <a:endParaRPr lang="en-GB" sz="3200" dirty="0"/>
+              <a:t>My First Program</a:t>
+            </a:r>
+            <a:endParaRPr lang="en-GB" sz="3600" dirty="0"/>
+          </a:p>
+          <a:p>
+            <a:r>
+              <a:rPr lang="en-GB" sz="3600" dirty="0">
+                <a:hlinkClick r:id="rId7"/>
+              </a:rPr>
+              <a:t>Variables and Assignment</a:t>
+            </a:r>
+            <a:endParaRPr lang="en-GB" sz="3600" dirty="0"/>
+          </a:p>
+          <a:p>
+            <a:r>
+              <a:rPr lang="en-GB" sz="3600" dirty="0">
+                <a:hlinkClick r:id="rId8"/>
+              </a:rPr>
+              <a:t>Conditionals</a:t>
+            </a:r>
+            <a:endParaRPr lang="en-GB" sz="3600" dirty="0"/>
+          </a:p>
+          <a:p>
+            <a:r>
+              <a:rPr lang="en-GB" sz="3600" dirty="0">
+                <a:hlinkClick r:id="rId9"/>
+              </a:rPr>
+              <a:t>Loops</a:t>
+            </a:r>
+            <a:endParaRPr lang="en-GB" sz="3600" dirty="0"/>
           </a:p>
           <a:p>
             <a:endParaRPr lang="en-GB" sz="3000" dirty="0"/>
@@ -4512,58 +4429,55 @@
           <a:lstStyle/>
           <a:p>
             <a:r>
-              <a:rPr lang="en-GB" dirty="0"/>
-              <a:t>Variables and Assignment</a:t>
-            </a:r>
-          </a:p>
-          <a:p>
-            <a:pPr lvl="1"/>
-            <a:r>
-              <a:rPr lang="en-GB" sz="3200" dirty="0">
+              <a:rPr lang="en-GB" sz="3600" dirty="0">
                 <a:hlinkClick r:id="rId3"/>
               </a:rPr>
-              <a:t>http://bit.ly/cmc_variables_assignment</a:t>
-            </a:r>
-            <a:endParaRPr lang="en-GB" sz="3200" dirty="0"/>
-          </a:p>
-          <a:p>
-            <a:r>
-              <a:rPr lang="en-GB" dirty="0"/>
-              <a:t>Conditionals</a:t>
-            </a:r>
-          </a:p>
-          <a:p>
-            <a:pPr lvl="1"/>
-            <a:r>
-              <a:rPr lang="en-GB" sz="3200" dirty="0">
+              <a:t>Functions</a:t>
+            </a:r>
+            <a:endParaRPr lang="en-GB" sz="3600" dirty="0"/>
+          </a:p>
+          <a:p>
+            <a:r>
+              <a:rPr lang="en-GB" sz="3600" dirty="0">
                 <a:hlinkClick r:id="rId4"/>
               </a:rPr>
-              <a:t>http://bit.ly/cmc_conditionals</a:t>
-            </a:r>
-            <a:endParaRPr lang="en-GB" sz="3200" dirty="0"/>
-          </a:p>
-          <a:p>
-            <a:r>
-              <a:rPr lang="en-GB" dirty="0"/>
-              <a:t>Loops</a:t>
-            </a:r>
-          </a:p>
-          <a:p>
-            <a:pPr lvl="1"/>
-            <a:r>
-              <a:rPr lang="en-GB" sz="3200">
+              <a:t>Tuples</a:t>
+            </a:r>
+            <a:endParaRPr lang="en-GB" sz="3600" dirty="0"/>
+          </a:p>
+          <a:p>
+            <a:r>
+              <a:rPr lang="en-GB" sz="3600" dirty="0">
                 <a:hlinkClick r:id="rId5"/>
               </a:rPr>
-              <a:t>http://bit.ly/cmc_loops2</a:t>
-            </a:r>
-            <a:endParaRPr lang="en-GB" sz="2600" dirty="0"/>
+              <a:t>Importing Modules</a:t>
+            </a:r>
+            <a:endParaRPr lang="en-GB" sz="3600" dirty="0"/>
+          </a:p>
+          <a:p>
+            <a:r>
+              <a:rPr lang="en-GB" sz="3600" dirty="0">
+                <a:hlinkClick r:id="rId6"/>
+              </a:rPr>
+              <a:t>Errors and Exceptions</a:t>
+            </a:r>
+            <a:endParaRPr lang="en-GB" sz="3600" dirty="0"/>
+          </a:p>
+          <a:p>
+            <a:pPr marL="0" indent="0">
+              <a:buNone/>
+            </a:pPr>
+            <a:endParaRPr lang="en-GB" sz="3000" dirty="0"/>
+          </a:p>
+          <a:p>
+            <a:endParaRPr lang="en-GB" sz="3000" dirty="0"/>
           </a:p>
         </p:txBody>
       </p:sp>
     </p:spTree>
     <p:extLst>
       <p:ext uri="{BB962C8B-B14F-4D97-AF65-F5344CB8AC3E}">
-        <p14:creationId xmlns:p14="http://schemas.microsoft.com/office/powerpoint/2010/main" val="3243223044"/>
+        <p14:creationId xmlns:p14="http://schemas.microsoft.com/office/powerpoint/2010/main" val="3380630443"/>
       </p:ext>
     </p:extLst>
   </p:cSld>
@@ -4615,159 +4529,6 @@
           <a:p>
             <a:r>
               <a:rPr lang="en-GB" sz="4000" dirty="0"/>
-              <a:t>Notebook Links</a:t>
-            </a:r>
-          </a:p>
-        </p:txBody>
-      </p:sp>
-      <p:sp>
-        <p:nvSpPr>
-          <p:cNvPr id="3" name="Content Placeholder 2"/>
-          <p:cNvSpPr>
-            <a:spLocks noGrp="1"/>
-          </p:cNvSpPr>
-          <p:nvPr>
-            <p:ph idx="1"/>
-          </p:nvPr>
-        </p:nvSpPr>
-        <p:spPr>
-          <a:xfrm>
-            <a:off x="457200" y="1600200"/>
-            <a:ext cx="8435280" cy="4876800"/>
-          </a:xfrm>
-        </p:spPr>
-        <p:txBody>
-          <a:bodyPr>
-            <a:normAutofit/>
-          </a:bodyPr>
-          <a:lstStyle/>
-          <a:p>
-            <a:r>
-              <a:rPr lang="en-GB" dirty="0"/>
-              <a:t>Functions</a:t>
-            </a:r>
-          </a:p>
-          <a:p>
-            <a:pPr lvl="1"/>
-            <a:r>
-              <a:rPr lang="en-GB" sz="3200" dirty="0">
-                <a:hlinkClick r:id="rId3"/>
-              </a:rPr>
-              <a:t>http://bit.ly/cmc_functions</a:t>
-            </a:r>
-            <a:endParaRPr lang="en-GB" dirty="0"/>
-          </a:p>
-          <a:p>
-            <a:r>
-              <a:rPr lang="en-GB" dirty="0"/>
-              <a:t>Tuples</a:t>
-            </a:r>
-          </a:p>
-          <a:p>
-            <a:pPr lvl="1"/>
-            <a:r>
-              <a:rPr lang="en-GB" sz="3200" dirty="0">
-                <a:hlinkClick r:id="rId4"/>
-              </a:rPr>
-              <a:t>http://bit.ly/cmc_tuples</a:t>
-            </a:r>
-            <a:endParaRPr lang="en-GB" sz="3200" dirty="0"/>
-          </a:p>
-          <a:p>
-            <a:r>
-              <a:rPr lang="en-GB" sz="3600" dirty="0"/>
-              <a:t>Importing Modules</a:t>
-            </a:r>
-          </a:p>
-          <a:p>
-            <a:pPr lvl="1"/>
-            <a:r>
-              <a:rPr lang="en-GB" sz="3200" dirty="0">
-                <a:hlinkClick r:id="rId5"/>
-              </a:rPr>
-              <a:t>http://bit.ly/cmc_importing_modules</a:t>
-            </a:r>
-            <a:endParaRPr lang="en-GB" sz="3200" dirty="0"/>
-          </a:p>
-          <a:p>
-            <a:r>
-              <a:rPr lang="en-GB" sz="3600" dirty="0"/>
-              <a:t>Errors and Exceptions</a:t>
-            </a:r>
-          </a:p>
-          <a:p>
-            <a:pPr lvl="1"/>
-            <a:r>
-              <a:rPr lang="en-GB" sz="3200" dirty="0">
-                <a:hlinkClick r:id="rId6"/>
-              </a:rPr>
-              <a:t>http://bit.ly/cmc_errors_exceptions</a:t>
-            </a:r>
-            <a:endParaRPr lang="en-GB" sz="3200" dirty="0"/>
-          </a:p>
-          <a:p>
-            <a:endParaRPr lang="en-GB" sz="3000" dirty="0"/>
-          </a:p>
-          <a:p>
-            <a:endParaRPr lang="en-GB" sz="3000" dirty="0"/>
-          </a:p>
-        </p:txBody>
-      </p:sp>
-    </p:spTree>
-    <p:extLst>
-      <p:ext uri="{BB962C8B-B14F-4D97-AF65-F5344CB8AC3E}">
-        <p14:creationId xmlns:p14="http://schemas.microsoft.com/office/powerpoint/2010/main" val="3380630443"/>
-      </p:ext>
-    </p:extLst>
-  </p:cSld>
-  <p:clrMapOvr>
-    <a:masterClrMapping/>
-  </p:clrMapOvr>
-  <mc:AlternateContent xmlns:mc="http://schemas.openxmlformats.org/markup-compatibility/2006" xmlns:p14="http://schemas.microsoft.com/office/powerpoint/2010/main">
-    <mc:Choice Requires="p14">
-      <p:transition p14:dur="10"/>
-    </mc:Choice>
-    <mc:Fallback xmlns="">
-      <p:transition/>
-    </mc:Fallback>
-  </mc:AlternateContent>
-</p:sld>
-</file>
-
-<file path=ppt/slides/slide6.xml><?xml version="1.0" encoding="utf-8"?>
-<p:sld xmlns:a="http://schemas.openxmlformats.org/drawingml/2006/main" xmlns:r="http://schemas.openxmlformats.org/officeDocument/2006/relationships" xmlns:p="http://schemas.openxmlformats.org/presentationml/2006/main">
-  <p:cSld>
-    <p:spTree>
-      <p:nvGrpSpPr>
-        <p:cNvPr id="1" name=""/>
-        <p:cNvGrpSpPr/>
-        <p:nvPr/>
-      </p:nvGrpSpPr>
-      <p:grpSpPr>
-        <a:xfrm>
-          <a:off x="0" y="0"/>
-          <a:ext cx="0" cy="0"/>
-          <a:chOff x="0" y="0"/>
-          <a:chExt cx="0" cy="0"/>
-        </a:xfrm>
-      </p:grpSpPr>
-      <p:sp>
-        <p:nvSpPr>
-          <p:cNvPr id="2" name="Title 1"/>
-          <p:cNvSpPr>
-            <a:spLocks noGrp="1"/>
-          </p:cNvSpPr>
-          <p:nvPr>
-            <p:ph type="title"/>
-          </p:nvPr>
-        </p:nvSpPr>
-        <p:spPr/>
-        <p:txBody>
-          <a:bodyPr/>
-          <a:lstStyle/>
-          <a:p>
-            <a:r>
-              <a:rPr lang="en-GB" sz="4000" dirty="0"/>
               <a:t>Feedback</a:t>
             </a:r>
           </a:p>
@@ -4854,7 +4615,7 @@
 </p:sld>
 </file>
 
-<file path=ppt/slides/slide7.xml><?xml version="1.0" encoding="utf-8"?>
+<file path=ppt/slides/slide6.xml><?xml version="1.0" encoding="utf-8"?>
 <p:sld xmlns:a="http://schemas.openxmlformats.org/drawingml/2006/main" xmlns:r="http://schemas.openxmlformats.org/officeDocument/2006/relationships" xmlns:p="http://schemas.openxmlformats.org/presentationml/2006/main">
   <p:cSld>
     <p:spTree>

--- a/Intro to Python Slides.pptx
+++ b/Intro to Python Slides.pptx
@@ -400,7 +400,7 @@
           <a:p>
             <a:fld id="{88EB714B-C3CC-4216-88C1-02913905B1CF}" type="datetimeFigureOut">
               <a:rPr lang="en-GB" smtClean="0"/>
-              <a:t>01/06/2020</a:t>
+              <a:t>27/10/2020</a:t>
             </a:fld>
             <a:endParaRPr lang="en-GB"/>
           </a:p>
@@ -1865,7 +1865,7 @@
           <a:p>
             <a:fld id="{EB0080F8-EA1C-491D-963C-2C881B2F918F}" type="datetimeFigureOut">
               <a:rPr lang="en-GB" smtClean="0"/>
-              <a:t>01/06/2020</a:t>
+              <a:t>27/10/2020</a:t>
             </a:fld>
             <a:endParaRPr lang="en-GB"/>
           </a:p>
@@ -2015,7 +2015,7 @@
           <a:p>
             <a:fld id="{EB0080F8-EA1C-491D-963C-2C881B2F918F}" type="datetimeFigureOut">
               <a:rPr lang="en-GB" smtClean="0"/>
-              <a:t>01/06/2020</a:t>
+              <a:t>27/10/2020</a:t>
             </a:fld>
             <a:endParaRPr lang="en-GB"/>
           </a:p>
@@ -3548,7 +3548,7 @@
           <a:p>
             <a:fld id="{EB0080F8-EA1C-491D-963C-2C881B2F918F}" type="datetimeFigureOut">
               <a:rPr lang="en-GB" smtClean="0"/>
-              <a:t>01/06/2020</a:t>
+              <a:t>27/10/2020</a:t>
             </a:fld>
             <a:endParaRPr lang="en-GB"/>
           </a:p>
@@ -4568,10 +4568,14 @@
               <a:t>The link is </a:t>
             </a:r>
             <a:r>
-              <a:rPr lang="en-GB" sz="2600" dirty="0">
+              <a:rPr lang="en-GB" sz="2600" b="0" i="0" u="sng" dirty="0">
+                <a:solidFill>
+                  <a:srgbClr val="954F72"/>
+                </a:solidFill>
+                <a:effectLst/>
                 <a:hlinkClick r:id="rId3"/>
               </a:rPr>
-              <a:t>http://bit.ly/computingdatascience1920</a:t>
+              <a:t>http://bit.ly/rcds2021</a:t>
             </a:r>
             <a:endParaRPr lang="en-GB" sz="2600" dirty="0"/>
           </a:p>

--- a/Intro to Python Slides.pptx
+++ b/Intro to Python Slides.pptx
@@ -5,18 +5,17 @@
     <p:sldMasterId id="2147483648" r:id="rId1"/>
   </p:sldMasterIdLst>
   <p:notesMasterIdLst>
-    <p:notesMasterId r:id="rId8"/>
+    <p:notesMasterId r:id="rId7"/>
   </p:notesMasterIdLst>
   <p:handoutMasterIdLst>
-    <p:handoutMasterId r:id="rId9"/>
+    <p:handoutMasterId r:id="rId8"/>
   </p:handoutMasterIdLst>
   <p:sldIdLst>
     <p:sldId id="264" r:id="rId2"/>
     <p:sldId id="267" r:id="rId3"/>
     <p:sldId id="281" r:id="rId4"/>
     <p:sldId id="283" r:id="rId5"/>
-    <p:sldId id="329" r:id="rId6"/>
-    <p:sldId id="280" r:id="rId7"/>
+    <p:sldId id="280" r:id="rId6"/>
   </p:sldIdLst>
   <p:sldSz cx="9144000" cy="6858000" type="screen4x3"/>
   <p:notesSz cx="7099300" cy="10234613"/>
@@ -124,7 +123,6 @@
             <p14:sldId id="267"/>
             <p14:sldId id="281"/>
             <p14:sldId id="283"/>
-            <p14:sldId id="329"/>
             <p14:sldId id="280"/>
           </p14:sldIdLst>
         </p14:section>
@@ -400,7 +398,7 @@
           <a:p>
             <a:fld id="{88EB714B-C3CC-4216-88C1-02913905B1CF}" type="datetimeFigureOut">
               <a:rPr lang="en-GB" smtClean="0"/>
-              <a:t>27/10/2020</a:t>
+              <a:t>25/03/2021</a:t>
             </a:fld>
             <a:endParaRPr lang="en-GB"/>
           </a:p>
@@ -1190,90 +1188,6 @@
       </p:grpSpPr>
       <p:sp>
         <p:nvSpPr>
-          <p:cNvPr id="2" name="Slide Image Placeholder 1"/>
-          <p:cNvSpPr>
-            <a:spLocks noGrp="1" noRot="1" noChangeAspect="1"/>
-          </p:cNvSpPr>
-          <p:nvPr>
-            <p:ph type="sldImg"/>
-          </p:nvPr>
-        </p:nvSpPr>
-        <p:spPr/>
-      </p:sp>
-      <p:sp>
-        <p:nvSpPr>
-          <p:cNvPr id="3" name="Notes Placeholder 2"/>
-          <p:cNvSpPr>
-            <a:spLocks noGrp="1"/>
-          </p:cNvSpPr>
-          <p:nvPr>
-            <p:ph type="body" idx="1"/>
-          </p:nvPr>
-        </p:nvSpPr>
-        <p:spPr/>
-        <p:txBody>
-          <a:bodyPr/>
-          <a:lstStyle/>
-          <a:p>
-            <a:endParaRPr lang="en-GB" dirty="0"/>
-          </a:p>
-        </p:txBody>
-      </p:sp>
-      <p:sp>
-        <p:nvSpPr>
-          <p:cNvPr id="4" name="Slide Number Placeholder 3"/>
-          <p:cNvSpPr>
-            <a:spLocks noGrp="1"/>
-          </p:cNvSpPr>
-          <p:nvPr>
-            <p:ph type="sldNum" sz="quarter" idx="10"/>
-          </p:nvPr>
-        </p:nvSpPr>
-        <p:spPr/>
-        <p:txBody>
-          <a:bodyPr/>
-          <a:lstStyle/>
-          <a:p>
-            <a:fld id="{6A641EC8-C9F8-4A58-A1A7-F7D817526EEC}" type="slidenum">
-              <a:rPr lang="en-GB" smtClean="0"/>
-              <a:t>5</a:t>
-            </a:fld>
-            <a:endParaRPr lang="en-GB"/>
-          </a:p>
-        </p:txBody>
-      </p:sp>
-    </p:spTree>
-    <p:extLst>
-      <p:ext uri="{BB962C8B-B14F-4D97-AF65-F5344CB8AC3E}">
-        <p14:creationId xmlns:p14="http://schemas.microsoft.com/office/powerpoint/2010/main" val="1492413823"/>
-      </p:ext>
-    </p:extLst>
-  </p:cSld>
-  <p:clrMapOvr>
-    <a:masterClrMapping/>
-  </p:clrMapOvr>
-</p:notes>
-</file>
-
-<file path=ppt/notesSlides/notesSlide6.xml><?xml version="1.0" encoding="utf-8"?>
-<p:notes xmlns:a="http://schemas.openxmlformats.org/drawingml/2006/main" xmlns:r="http://schemas.openxmlformats.org/officeDocument/2006/relationships" xmlns:p="http://schemas.openxmlformats.org/presentationml/2006/main">
-  <p:cSld>
-    <p:spTree>
-      <p:nvGrpSpPr>
-        <p:cNvPr id="1" name=""/>
-        <p:cNvGrpSpPr/>
-        <p:nvPr/>
-      </p:nvGrpSpPr>
-      <p:grpSpPr>
-        <a:xfrm>
-          <a:off x="0" y="0"/>
-          <a:ext cx="0" cy="0"/>
-          <a:chOff x="0" y="0"/>
-          <a:chExt cx="0" cy="0"/>
-        </a:xfrm>
-      </p:grpSpPr>
-      <p:sp>
-        <p:nvSpPr>
           <p:cNvPr id="108546" name="Rectangle 7"/>
           <p:cNvSpPr>
             <a:spLocks noGrp="1" noChangeArrowheads="1"/>
@@ -1432,7 +1346,7 @@
                   <a:spcPct val="0"/>
                 </a:spcBef>
               </a:pPr>
-              <a:t>6</a:t>
+              <a:t>5</a:t>
             </a:fld>
             <a:endParaRPr lang="en-US" altLang="en-US"/>
           </a:p>
@@ -1865,7 +1779,7 @@
           <a:p>
             <a:fld id="{EB0080F8-EA1C-491D-963C-2C881B2F918F}" type="datetimeFigureOut">
               <a:rPr lang="en-GB" smtClean="0"/>
-              <a:t>27/10/2020</a:t>
+              <a:t>25/03/2021</a:t>
             </a:fld>
             <a:endParaRPr lang="en-GB"/>
           </a:p>
@@ -2015,7 +1929,7 @@
           <a:p>
             <a:fld id="{EB0080F8-EA1C-491D-963C-2C881B2F918F}" type="datetimeFigureOut">
               <a:rPr lang="en-GB" smtClean="0"/>
-              <a:t>27/10/2020</a:t>
+              <a:t>25/03/2021</a:t>
             </a:fld>
             <a:endParaRPr lang="en-GB"/>
           </a:p>
@@ -3548,7 +3462,7 @@
           <a:p>
             <a:fld id="{EB0080F8-EA1C-491D-963C-2C881B2F918F}" type="datetimeFigureOut">
               <a:rPr lang="en-GB" smtClean="0"/>
-              <a:t>27/10/2020</a:t>
+              <a:t>25/03/2021</a:t>
             </a:fld>
             <a:endParaRPr lang="en-GB"/>
           </a:p>
@@ -4025,7 +3939,7 @@
           <a:p>
             <a:r>
               <a:rPr lang="en-GB" sz="2400" dirty="0"/>
-              <a:t>Graduate School Teaching Fellow</a:t>
+              <a:t>Imperial College London Graduate School Teaching Fellow</a:t>
             </a:r>
           </a:p>
         </p:txBody>
@@ -4496,130 +4410,6 @@
 </file>
 
 <file path=ppt/slides/slide5.xml><?xml version="1.0" encoding="utf-8"?>
-<p:sld xmlns:a="http://schemas.openxmlformats.org/drawingml/2006/main" xmlns:r="http://schemas.openxmlformats.org/officeDocument/2006/relationships" xmlns:p="http://schemas.openxmlformats.org/presentationml/2006/main">
-  <p:cSld>
-    <p:spTree>
-      <p:nvGrpSpPr>
-        <p:cNvPr id="1" name=""/>
-        <p:cNvGrpSpPr/>
-        <p:nvPr/>
-      </p:nvGrpSpPr>
-      <p:grpSpPr>
-        <a:xfrm>
-          <a:off x="0" y="0"/>
-          <a:ext cx="0" cy="0"/>
-          <a:chOff x="0" y="0"/>
-          <a:chExt cx="0" cy="0"/>
-        </a:xfrm>
-      </p:grpSpPr>
-      <p:sp>
-        <p:nvSpPr>
-          <p:cNvPr id="2" name="Title 1"/>
-          <p:cNvSpPr>
-            <a:spLocks noGrp="1"/>
-          </p:cNvSpPr>
-          <p:nvPr>
-            <p:ph type="title"/>
-          </p:nvPr>
-        </p:nvSpPr>
-        <p:spPr/>
-        <p:txBody>
-          <a:bodyPr/>
-          <a:lstStyle/>
-          <a:p>
-            <a:r>
-              <a:rPr lang="en-GB" sz="4000" dirty="0"/>
-              <a:t>Feedback</a:t>
-            </a:r>
-          </a:p>
-        </p:txBody>
-      </p:sp>
-      <p:sp>
-        <p:nvSpPr>
-          <p:cNvPr id="3" name="Content Placeholder 2"/>
-          <p:cNvSpPr>
-            <a:spLocks noGrp="1"/>
-          </p:cNvSpPr>
-          <p:nvPr>
-            <p:ph idx="1"/>
-          </p:nvPr>
-        </p:nvSpPr>
-        <p:spPr>
-          <a:xfrm>
-            <a:off x="457200" y="1600200"/>
-            <a:ext cx="8435280" cy="4876800"/>
-          </a:xfrm>
-        </p:spPr>
-        <p:txBody>
-          <a:bodyPr>
-            <a:normAutofit/>
-          </a:bodyPr>
-          <a:lstStyle/>
-          <a:p>
-            <a:r>
-              <a:rPr lang="en-GB" sz="3000" dirty="0"/>
-              <a:t>Once you’ve completed this course, please provide feedback</a:t>
-            </a:r>
-          </a:p>
-          <a:p>
-            <a:pPr lvl="1"/>
-            <a:r>
-              <a:rPr lang="en-GB" sz="2600" dirty="0"/>
-              <a:t>The link is </a:t>
-            </a:r>
-            <a:r>
-              <a:rPr lang="en-GB" sz="2600" b="0" i="0" u="sng" dirty="0">
-                <a:solidFill>
-                  <a:srgbClr val="954F72"/>
-                </a:solidFill>
-                <a:effectLst/>
-                <a:hlinkClick r:id="rId3"/>
-              </a:rPr>
-              <a:t>http://bit.ly/rcds2021</a:t>
-            </a:r>
-            <a:endParaRPr lang="en-GB" sz="2600" dirty="0"/>
-          </a:p>
-          <a:p>
-            <a:pPr lvl="1"/>
-            <a:r>
-              <a:rPr lang="en-GB" sz="2600" dirty="0"/>
-              <a:t>You should also have received an email with this link</a:t>
-            </a:r>
-          </a:p>
-          <a:p>
-            <a:pPr lvl="1"/>
-            <a:r>
-              <a:rPr lang="en-GB" sz="2600" dirty="0"/>
-              <a:t>This helps us improve the class for future students</a:t>
-            </a:r>
-          </a:p>
-          <a:p>
-            <a:endParaRPr lang="en-GB" sz="3000" dirty="0"/>
-          </a:p>
-        </p:txBody>
-      </p:sp>
-    </p:spTree>
-    <p:extLst>
-      <p:ext uri="{BB962C8B-B14F-4D97-AF65-F5344CB8AC3E}">
-        <p14:creationId xmlns:p14="http://schemas.microsoft.com/office/powerpoint/2010/main" val="2122788927"/>
-      </p:ext>
-    </p:extLst>
-  </p:cSld>
-  <p:clrMapOvr>
-    <a:masterClrMapping/>
-  </p:clrMapOvr>
-  <mc:AlternateContent xmlns:mc="http://schemas.openxmlformats.org/markup-compatibility/2006" xmlns:p14="http://schemas.microsoft.com/office/powerpoint/2010/main">
-    <mc:Choice Requires="p14">
-      <p:transition p14:dur="10"/>
-    </mc:Choice>
-    <mc:Fallback xmlns="">
-      <p:transition/>
-    </mc:Fallback>
-  </mc:AlternateContent>
-</p:sld>
-</file>
-
-<file path=ppt/slides/slide6.xml><?xml version="1.0" encoding="utf-8"?>
 <p:sld xmlns:a="http://schemas.openxmlformats.org/drawingml/2006/main" xmlns:r="http://schemas.openxmlformats.org/officeDocument/2006/relationships" xmlns:p="http://schemas.openxmlformats.org/presentationml/2006/main">
   <p:cSld>
     <p:spTree>

--- a/Intro to Python Slides.pptx
+++ b/Intro to Python Slides.pptx
@@ -398,7 +398,7 @@
           <a:p>
             <a:fld id="{88EB714B-C3CC-4216-88C1-02913905B1CF}" type="datetimeFigureOut">
               <a:rPr lang="en-GB" smtClean="0"/>
-              <a:t>25/03/2021</a:t>
+              <a:t>04/10/2021</a:t>
             </a:fld>
             <a:endParaRPr lang="en-GB"/>
           </a:p>
@@ -1779,7 +1779,7 @@
           <a:p>
             <a:fld id="{EB0080F8-EA1C-491D-963C-2C881B2F918F}" type="datetimeFigureOut">
               <a:rPr lang="en-GB" smtClean="0"/>
-              <a:t>25/03/2021</a:t>
+              <a:t>04/10/2021</a:t>
             </a:fld>
             <a:endParaRPr lang="en-GB"/>
           </a:p>
@@ -1929,7 +1929,7 @@
           <a:p>
             <a:fld id="{EB0080F8-EA1C-491D-963C-2C881B2F918F}" type="datetimeFigureOut">
               <a:rPr lang="en-GB" smtClean="0"/>
-              <a:t>25/03/2021</a:t>
+              <a:t>04/10/2021</a:t>
             </a:fld>
             <a:endParaRPr lang="en-GB"/>
           </a:p>
@@ -3462,7 +3462,7 @@
           <a:p>
             <a:fld id="{EB0080F8-EA1C-491D-963C-2C881B2F918F}" type="datetimeFigureOut">
               <a:rPr lang="en-GB" smtClean="0"/>
-              <a:t>25/03/2021</a:t>
+              <a:t>04/10/2021</a:t>
             </a:fld>
             <a:endParaRPr lang="en-GB"/>
           </a:p>
@@ -3939,7 +3939,15 @@
           <a:p>
             <a:r>
               <a:rPr lang="en-GB" sz="2400" dirty="0"/>
-              <a:t>Imperial College London Graduate School Teaching Fellow</a:t>
+              <a:t>Imperial College London Graduate </a:t>
+            </a:r>
+            <a:r>
+              <a:rPr lang="en-GB" sz="2400"/>
+              <a:t>School Senior Teaching </a:t>
+            </a:r>
+            <a:r>
+              <a:rPr lang="en-GB" sz="2400" dirty="0"/>
+              <a:t>Fellow</a:t>
             </a:r>
           </a:p>
         </p:txBody>
